--- a/data/staphopia-workflow.pptx
+++ b/data/staphopia-workflow.pptx
@@ -270,7 +270,7 @@
           <a:p>
             <a:fld id="{3A3BAF20-F2F7-6045-AA32-6280495E69CC}" type="datetimeFigureOut">
               <a:rPr lang="en-US" smtClean="0"/>
-              <a:t>4/8/18</a:t>
+              <a:t>4/10/18</a:t>
             </a:fld>
             <a:endParaRPr lang="en-US"/>
           </a:p>
@@ -468,7 +468,7 @@
           <a:p>
             <a:fld id="{3A3BAF20-F2F7-6045-AA32-6280495E69CC}" type="datetimeFigureOut">
               <a:rPr lang="en-US" smtClean="0"/>
-              <a:t>4/8/18</a:t>
+              <a:t>4/10/18</a:t>
             </a:fld>
             <a:endParaRPr lang="en-US"/>
           </a:p>
@@ -676,7 +676,7 @@
           <a:p>
             <a:fld id="{3A3BAF20-F2F7-6045-AA32-6280495E69CC}" type="datetimeFigureOut">
               <a:rPr lang="en-US" smtClean="0"/>
-              <a:t>4/8/18</a:t>
+              <a:t>4/10/18</a:t>
             </a:fld>
             <a:endParaRPr lang="en-US"/>
           </a:p>
@@ -874,7 +874,7 @@
           <a:p>
             <a:fld id="{3A3BAF20-F2F7-6045-AA32-6280495E69CC}" type="datetimeFigureOut">
               <a:rPr lang="en-US" smtClean="0"/>
-              <a:t>4/8/18</a:t>
+              <a:t>4/10/18</a:t>
             </a:fld>
             <a:endParaRPr lang="en-US"/>
           </a:p>
@@ -1149,7 +1149,7 @@
           <a:p>
             <a:fld id="{3A3BAF20-F2F7-6045-AA32-6280495E69CC}" type="datetimeFigureOut">
               <a:rPr lang="en-US" smtClean="0"/>
-              <a:t>4/8/18</a:t>
+              <a:t>4/10/18</a:t>
             </a:fld>
             <a:endParaRPr lang="en-US"/>
           </a:p>
@@ -1414,7 +1414,7 @@
           <a:p>
             <a:fld id="{3A3BAF20-F2F7-6045-AA32-6280495E69CC}" type="datetimeFigureOut">
               <a:rPr lang="en-US" smtClean="0"/>
-              <a:t>4/8/18</a:t>
+              <a:t>4/10/18</a:t>
             </a:fld>
             <a:endParaRPr lang="en-US"/>
           </a:p>
@@ -1826,7 +1826,7 @@
           <a:p>
             <a:fld id="{3A3BAF20-F2F7-6045-AA32-6280495E69CC}" type="datetimeFigureOut">
               <a:rPr lang="en-US" smtClean="0"/>
-              <a:t>4/8/18</a:t>
+              <a:t>4/10/18</a:t>
             </a:fld>
             <a:endParaRPr lang="en-US"/>
           </a:p>
@@ -1967,7 +1967,7 @@
           <a:p>
             <a:fld id="{3A3BAF20-F2F7-6045-AA32-6280495E69CC}" type="datetimeFigureOut">
               <a:rPr lang="en-US" smtClean="0"/>
-              <a:t>4/8/18</a:t>
+              <a:t>4/10/18</a:t>
             </a:fld>
             <a:endParaRPr lang="en-US"/>
           </a:p>
@@ -2080,7 +2080,7 @@
           <a:p>
             <a:fld id="{3A3BAF20-F2F7-6045-AA32-6280495E69CC}" type="datetimeFigureOut">
               <a:rPr lang="en-US" smtClean="0"/>
-              <a:t>4/8/18</a:t>
+              <a:t>4/10/18</a:t>
             </a:fld>
             <a:endParaRPr lang="en-US"/>
           </a:p>
@@ -2391,7 +2391,7 @@
           <a:p>
             <a:fld id="{3A3BAF20-F2F7-6045-AA32-6280495E69CC}" type="datetimeFigureOut">
               <a:rPr lang="en-US" smtClean="0"/>
-              <a:t>4/8/18</a:t>
+              <a:t>4/10/18</a:t>
             </a:fld>
             <a:endParaRPr lang="en-US"/>
           </a:p>
@@ -2679,7 +2679,7 @@
           <a:p>
             <a:fld id="{3A3BAF20-F2F7-6045-AA32-6280495E69CC}" type="datetimeFigureOut">
               <a:rPr lang="en-US" smtClean="0"/>
-              <a:t>4/8/18</a:t>
+              <a:t>4/10/18</a:t>
             </a:fld>
             <a:endParaRPr lang="en-US"/>
           </a:p>
@@ -2920,7 +2920,7 @@
           <a:p>
             <a:fld id="{3A3BAF20-F2F7-6045-AA32-6280495E69CC}" type="datetimeFigureOut">
               <a:rPr lang="en-US" smtClean="0"/>
-              <a:t>4/8/18</a:t>
+              <a:t>4/10/18</a:t>
             </a:fld>
             <a:endParaRPr lang="en-US"/>
           </a:p>
@@ -3339,10 +3339,10 @@
       </p:grpSpPr>
       <p:sp>
         <p:nvSpPr>
-          <p:cNvPr id="8" name="Flowchart: Decision 5">
-            <a:extLst>
-              <a:ext uri="{FF2B5EF4-FFF2-40B4-BE49-F238E27FC236}">
-                <a16:creationId xmlns:a16="http://schemas.microsoft.com/office/drawing/2014/main" id="{2A009F27-8C27-794C-AEF3-4D1C63DFD3B7}"/>
+          <p:cNvPr id="9" name="Rounded Rectangle 8">
+            <a:extLst>
+              <a:ext uri="{FF2B5EF4-FFF2-40B4-BE49-F238E27FC236}">
+                <a16:creationId xmlns:a16="http://schemas.microsoft.com/office/drawing/2014/main" id="{98C98268-07CC-244C-8E10-BB9E8D96D317}"/>
               </a:ext>
             </a:extLst>
           </p:cNvPr>
@@ -3351,107 +3351,7 @@
         </p:nvSpPr>
         <p:spPr>
           <a:xfrm>
-            <a:off x="849596" y="793419"/>
-            <a:ext cx="2037977" cy="652242"/>
-          </a:xfrm>
-          <a:prstGeom prst="roundRect">
-            <a:avLst/>
-          </a:prstGeom>
-          <a:solidFill>
-            <a:srgbClr val="DBE8FC"/>
-          </a:solidFill>
-          <a:ln w="38100">
-            <a:solidFill>
-              <a:srgbClr val="6B8EBF"/>
-            </a:solidFill>
-          </a:ln>
-        </p:spPr>
-        <p:style>
-          <a:lnRef idx="2">
-            <a:schemeClr val="accent5">
-              <a:shade val="50000"/>
-            </a:schemeClr>
-          </a:lnRef>
-          <a:fillRef idx="1">
-            <a:schemeClr val="accent5"/>
-          </a:fillRef>
-          <a:effectRef idx="0">
-            <a:schemeClr val="accent5"/>
-          </a:effectRef>
-          <a:fontRef idx="minor">
-            <a:schemeClr val="lt1"/>
-          </a:fontRef>
-        </p:style>
-        <p:txBody>
-          <a:bodyPr rtlCol="0" anchor="ctr"/>
-          <a:lstStyle/>
-          <a:p>
-            <a:pPr algn="ctr"/>
-            <a:r>
-              <a:rPr lang="en-US" sz="1600" b="1" dirty="0">
-                <a:solidFill>
-                  <a:schemeClr val="tx1"/>
-                </a:solidFill>
-                <a:latin typeface="Arial" charset="0"/>
-                <a:ea typeface="Arial" charset="0"/>
-                <a:cs typeface="Arial" charset="0"/>
-              </a:rPr>
-              <a:t>Start</a:t>
-            </a:r>
-            <a:r>
-              <a:rPr lang="en-US" sz="1600" dirty="0">
-                <a:solidFill>
-                  <a:schemeClr val="tx1"/>
-                </a:solidFill>
-                <a:latin typeface="Arial" charset="0"/>
-                <a:ea typeface="Arial" charset="0"/>
-                <a:cs typeface="Arial" charset="0"/>
-              </a:rPr>
-              <a:t> </a:t>
-            </a:r>
-          </a:p>
-          <a:p>
-            <a:pPr algn="ctr"/>
-            <a:r>
-              <a:rPr lang="en-US" sz="1600" dirty="0" err="1">
-                <a:solidFill>
-                  <a:schemeClr val="tx1"/>
-                </a:solidFill>
-                <a:latin typeface="Arial" charset="0"/>
-                <a:ea typeface="Arial" charset="0"/>
-                <a:cs typeface="Arial" charset="0"/>
-              </a:rPr>
-              <a:t>Nextflow</a:t>
-            </a:r>
-            <a:r>
-              <a:rPr lang="en-US" sz="1600" dirty="0">
-                <a:solidFill>
-                  <a:schemeClr val="tx1"/>
-                </a:solidFill>
-                <a:latin typeface="Arial" charset="0"/>
-                <a:ea typeface="Arial" charset="0"/>
-                <a:cs typeface="Arial" charset="0"/>
-              </a:rPr>
-              <a:t> Workflow</a:t>
-            </a:r>
-          </a:p>
-        </p:txBody>
-      </p:sp>
-      <p:sp>
-        <p:nvSpPr>
-          <p:cNvPr id="9" name="Rounded Rectangle 8">
-            <a:extLst>
-              <a:ext uri="{FF2B5EF4-FFF2-40B4-BE49-F238E27FC236}">
-                <a16:creationId xmlns:a16="http://schemas.microsoft.com/office/drawing/2014/main" id="{98C98268-07CC-244C-8E10-BB9E8D96D317}"/>
-              </a:ext>
-            </a:extLst>
-          </p:cNvPr>
-          <p:cNvSpPr/>
-          <p:nvPr/>
-        </p:nvSpPr>
-        <p:spPr>
-          <a:xfrm>
-            <a:off x="135227" y="2119968"/>
+            <a:off x="135227" y="226370"/>
             <a:ext cx="3446435" cy="593721"/>
           </a:xfrm>
           <a:prstGeom prst="roundRect">
@@ -3513,7 +3413,7 @@
         </p:nvSpPr>
         <p:spPr>
           <a:xfrm>
-            <a:off x="138631" y="3582230"/>
+            <a:off x="135227" y="1690453"/>
             <a:ext cx="3459909" cy="1143226"/>
           </a:xfrm>
           <a:prstGeom prst="roundRect">
@@ -3652,7 +3552,7 @@
         </p:nvSpPr>
         <p:spPr>
           <a:xfrm>
-            <a:off x="135227" y="5657157"/>
+            <a:off x="148700" y="3703207"/>
             <a:ext cx="3446436" cy="884262"/>
           </a:xfrm>
           <a:prstGeom prst="roundRect">
@@ -4000,7 +3900,7 @@
         </p:nvSpPr>
         <p:spPr>
           <a:xfrm>
-            <a:off x="5498409" y="5713866"/>
+            <a:off x="5491239" y="5710838"/>
             <a:ext cx="2818791" cy="776892"/>
           </a:xfrm>
           <a:prstGeom prst="roundRect">
@@ -4264,13 +4164,16 @@
         </p:nvCxnSpPr>
         <p:spPr>
           <a:xfrm>
-            <a:off x="1858444" y="2713689"/>
-            <a:ext cx="10141" cy="868543"/>
+            <a:off x="1858445" y="820091"/>
+            <a:ext cx="6737" cy="870362"/>
           </a:xfrm>
           <a:prstGeom prst="straightConnector1">
             <a:avLst/>
           </a:prstGeom>
           <a:ln w="38100">
+            <a:solidFill>
+              <a:schemeClr val="tx1"/>
+            </a:solidFill>
             <a:tailEnd type="triangle"/>
           </a:ln>
         </p:spPr>
@@ -4305,14 +4208,17 @@
           <p:nvPr/>
         </p:nvCxnSpPr>
         <p:spPr>
-          <a:xfrm flipH="1">
-            <a:off x="1858445" y="4725457"/>
-            <a:ext cx="10140" cy="931698"/>
+          <a:xfrm>
+            <a:off x="1865182" y="2833679"/>
+            <a:ext cx="6736" cy="869528"/>
           </a:xfrm>
           <a:prstGeom prst="straightConnector1">
             <a:avLst/>
           </a:prstGeom>
           <a:ln w="38100">
+            <a:solidFill>
+              <a:schemeClr val="tx1"/>
+            </a:solidFill>
             <a:tailEnd type="triangle"/>
           </a:ln>
         </p:spPr>
@@ -4349,8 +4255,97 @@
         </p:nvCxnSpPr>
         <p:spPr>
           <a:xfrm flipV="1">
-            <a:off x="3598540" y="865948"/>
-            <a:ext cx="1889389" cy="3287895"/>
+            <a:off x="3595136" y="865948"/>
+            <a:ext cx="1892793" cy="1396118"/>
+          </a:xfrm>
+          <a:prstGeom prst="bentConnector3">
+            <a:avLst>
+              <a:gd name="adj1" fmla="val 49832"/>
+            </a:avLst>
+          </a:prstGeom>
+          <a:ln w="38100">
+            <a:tailEnd type="triangle"/>
+          </a:ln>
+        </p:spPr>
+        <p:style>
+          <a:lnRef idx="3">
+            <a:schemeClr val="accent1"/>
+          </a:lnRef>
+          <a:fillRef idx="0">
+            <a:schemeClr val="accent1"/>
+          </a:fillRef>
+          <a:effectRef idx="2">
+            <a:schemeClr val="accent1"/>
+          </a:effectRef>
+          <a:fontRef idx="minor">
+            <a:schemeClr val="tx1"/>
+          </a:fontRef>
+        </p:style>
+      </p:cxnSp>
+      <p:cxnSp>
+        <p:nvCxnSpPr>
+          <p:cNvPr id="20" name="Elbow Connector 19">
+            <a:extLst>
+              <a:ext uri="{FF2B5EF4-FFF2-40B4-BE49-F238E27FC236}">
+                <a16:creationId xmlns:a16="http://schemas.microsoft.com/office/drawing/2014/main" id="{0D67F969-AFA1-3548-8CEB-5C6BFF5C6FE7}"/>
+              </a:ext>
+            </a:extLst>
+          </p:cNvPr>
+          <p:cNvCxnSpPr>
+            <a:stCxn id="10" idx="3"/>
+            <a:endCxn id="16" idx="1"/>
+          </p:cNvCxnSpPr>
+          <p:nvPr/>
+        </p:nvCxnSpPr>
+        <p:spPr>
+          <a:xfrm flipV="1">
+            <a:off x="3595136" y="2115628"/>
+            <a:ext cx="1903273" cy="146438"/>
+          </a:xfrm>
+          <a:prstGeom prst="bentConnector3">
+            <a:avLst>
+              <a:gd name="adj1" fmla="val 49500"/>
+            </a:avLst>
+          </a:prstGeom>
+          <a:ln w="38100">
+            <a:tailEnd type="triangle"/>
+          </a:ln>
+        </p:spPr>
+        <p:style>
+          <a:lnRef idx="3">
+            <a:schemeClr val="accent1"/>
+          </a:lnRef>
+          <a:fillRef idx="0">
+            <a:schemeClr val="accent1"/>
+          </a:fillRef>
+          <a:effectRef idx="2">
+            <a:schemeClr val="accent1"/>
+          </a:effectRef>
+          <a:fontRef idx="minor">
+            <a:schemeClr val="tx1"/>
+          </a:fontRef>
+        </p:style>
+      </p:cxnSp>
+      <p:cxnSp>
+        <p:nvCxnSpPr>
+          <p:cNvPr id="21" name="Elbow Connector 20">
+            <a:extLst>
+              <a:ext uri="{FF2B5EF4-FFF2-40B4-BE49-F238E27FC236}">
+                <a16:creationId xmlns:a16="http://schemas.microsoft.com/office/drawing/2014/main" id="{0FAD668C-1046-9A46-B4F0-E2BDDBADE999}"/>
+              </a:ext>
+            </a:extLst>
+          </p:cNvPr>
+          <p:cNvCxnSpPr>
+            <a:cxnSpLocks/>
+            <a:stCxn id="10" idx="3"/>
+            <a:endCxn id="73" idx="1"/>
+          </p:cNvCxnSpPr>
+          <p:nvPr/>
+        </p:nvCxnSpPr>
+        <p:spPr>
+          <a:xfrm>
+            <a:off x="3595136" y="2262066"/>
+            <a:ext cx="1881765" cy="847891"/>
           </a:xfrm>
           <a:prstGeom prst="bentConnector3">
             <a:avLst>
@@ -4378,116 +4373,28 @@
       </p:cxnSp>
       <p:cxnSp>
         <p:nvCxnSpPr>
-          <p:cNvPr id="20" name="Elbow Connector 19">
-            <a:extLst>
-              <a:ext uri="{FF2B5EF4-FFF2-40B4-BE49-F238E27FC236}">
-                <a16:creationId xmlns:a16="http://schemas.microsoft.com/office/drawing/2014/main" id="{0D67F969-AFA1-3548-8CEB-5C6BFF5C6FE7}"/>
-              </a:ext>
-            </a:extLst>
-          </p:cNvPr>
-          <p:cNvCxnSpPr>
-            <a:stCxn id="10" idx="3"/>
-            <a:endCxn id="16" idx="1"/>
-          </p:cNvCxnSpPr>
-          <p:nvPr/>
-        </p:nvCxnSpPr>
-        <p:spPr>
-          <a:xfrm flipV="1">
-            <a:off x="3598540" y="2115628"/>
-            <a:ext cx="1899869" cy="2038215"/>
-          </a:xfrm>
-          <a:prstGeom prst="bentConnector3">
-            <a:avLst>
-              <a:gd name="adj1" fmla="val 50000"/>
-            </a:avLst>
-          </a:prstGeom>
-          <a:ln w="38100">
-            <a:tailEnd type="triangle"/>
-          </a:ln>
-        </p:spPr>
-        <p:style>
-          <a:lnRef idx="3">
-            <a:schemeClr val="accent1"/>
-          </a:lnRef>
-          <a:fillRef idx="0">
-            <a:schemeClr val="accent1"/>
-          </a:fillRef>
-          <a:effectRef idx="2">
-            <a:schemeClr val="accent1"/>
-          </a:effectRef>
-          <a:fontRef idx="minor">
-            <a:schemeClr val="tx1"/>
-          </a:fontRef>
-        </p:style>
-      </p:cxnSp>
-      <p:cxnSp>
-        <p:nvCxnSpPr>
-          <p:cNvPr id="21" name="Elbow Connector 20">
-            <a:extLst>
-              <a:ext uri="{FF2B5EF4-FFF2-40B4-BE49-F238E27FC236}">
-                <a16:creationId xmlns:a16="http://schemas.microsoft.com/office/drawing/2014/main" id="{0FAD668C-1046-9A46-B4F0-E2BDDBADE999}"/>
+          <p:cNvPr id="22" name="Elbow Connector 21">
+            <a:extLst>
+              <a:ext uri="{FF2B5EF4-FFF2-40B4-BE49-F238E27FC236}">
+                <a16:creationId xmlns:a16="http://schemas.microsoft.com/office/drawing/2014/main" id="{40647795-F1BB-3349-8310-DC897FF58DC4}"/>
               </a:ext>
             </a:extLst>
           </p:cNvPr>
           <p:cNvCxnSpPr>
             <a:cxnSpLocks/>
             <a:stCxn id="10" idx="3"/>
-            <a:endCxn id="73" idx="1"/>
-          </p:cNvCxnSpPr>
-          <p:nvPr/>
-        </p:nvCxnSpPr>
-        <p:spPr>
-          <a:xfrm flipV="1">
-            <a:off x="3598540" y="3109957"/>
-            <a:ext cx="1878361" cy="1043886"/>
-          </a:xfrm>
-          <a:prstGeom prst="bentConnector3">
-            <a:avLst>
-              <a:gd name="adj1" fmla="val 50000"/>
-            </a:avLst>
-          </a:prstGeom>
-          <a:ln w="38100">
-            <a:tailEnd type="triangle"/>
-          </a:ln>
-        </p:spPr>
-        <p:style>
-          <a:lnRef idx="3">
-            <a:schemeClr val="accent1"/>
-          </a:lnRef>
-          <a:fillRef idx="0">
-            <a:schemeClr val="accent1"/>
-          </a:fillRef>
-          <a:effectRef idx="2">
-            <a:schemeClr val="accent1"/>
-          </a:effectRef>
-          <a:fontRef idx="minor">
-            <a:schemeClr val="tx1"/>
-          </a:fontRef>
-        </p:style>
-      </p:cxnSp>
-      <p:cxnSp>
-        <p:nvCxnSpPr>
-          <p:cNvPr id="22" name="Elbow Connector 21">
-            <a:extLst>
-              <a:ext uri="{FF2B5EF4-FFF2-40B4-BE49-F238E27FC236}">
-                <a16:creationId xmlns:a16="http://schemas.microsoft.com/office/drawing/2014/main" id="{40647795-F1BB-3349-8310-DC897FF58DC4}"/>
-              </a:ext>
-            </a:extLst>
-          </p:cNvPr>
-          <p:cNvCxnSpPr>
-            <a:cxnSpLocks/>
-            <a:stCxn id="10" idx="3"/>
+            <a:endCxn id="13" idx="1"/>
           </p:cNvCxnSpPr>
           <p:nvPr/>
         </p:nvCxnSpPr>
         <p:spPr>
           <a:xfrm>
-            <a:off x="3598540" y="4153843"/>
-            <a:ext cx="1885530" cy="825299"/>
+            <a:off x="3595136" y="2262066"/>
+            <a:ext cx="1896103" cy="2864498"/>
           </a:xfrm>
           <a:prstGeom prst="bentConnector3">
             <a:avLst>
-              <a:gd name="adj1" fmla="val 50317"/>
+              <a:gd name="adj1" fmla="val 49330"/>
             </a:avLst>
           </a:prstGeom>
           <a:ln w="38100">
@@ -4525,13 +4432,13 @@
           <p:nvPr/>
         </p:nvCxnSpPr>
         <p:spPr>
-          <a:xfrm flipV="1">
-            <a:off x="3581663" y="4301268"/>
-            <a:ext cx="1916744" cy="1798020"/>
+          <a:xfrm>
+            <a:off x="3595136" y="4145338"/>
+            <a:ext cx="1903273" cy="120233"/>
           </a:xfrm>
           <a:prstGeom prst="bentConnector3">
             <a:avLst>
-              <a:gd name="adj1" fmla="val 45323"/>
+              <a:gd name="adj1" fmla="val 45235"/>
             </a:avLst>
           </a:prstGeom>
           <a:ln w="38100">
@@ -4569,13 +4476,13 @@
           <p:nvPr/>
         </p:nvCxnSpPr>
         <p:spPr>
-          <a:xfrm flipV="1">
-            <a:off x="3581663" y="5273989"/>
-            <a:ext cx="1902407" cy="825299"/>
+          <a:xfrm>
+            <a:off x="3595136" y="4145338"/>
+            <a:ext cx="1892793" cy="1146507"/>
           </a:xfrm>
           <a:prstGeom prst="bentConnector3">
             <a:avLst>
-              <a:gd name="adj1" fmla="val 45602"/>
+              <a:gd name="adj1" fmla="val 45505"/>
             </a:avLst>
           </a:prstGeom>
           <a:ln w="38100">
@@ -4607,6 +4514,7 @@
             </a:extLst>
           </p:cNvPr>
           <p:cNvCxnSpPr>
+            <a:cxnSpLocks/>
             <a:stCxn id="11" idx="3"/>
             <a:endCxn id="14" idx="1"/>
           </p:cNvCxnSpPr>
@@ -4614,11 +4522,13 @@
         </p:nvCxnSpPr>
         <p:spPr>
           <a:xfrm>
-            <a:off x="3581663" y="6099288"/>
-            <a:ext cx="1916746" cy="3024"/>
+            <a:off x="3595136" y="4145338"/>
+            <a:ext cx="1896103" cy="1953946"/>
           </a:xfrm>
           <a:prstGeom prst="bentConnector3">
-            <a:avLst/>
+            <a:avLst>
+              <a:gd name="adj1" fmla="val 45449"/>
+            </a:avLst>
           </a:prstGeom>
           <a:ln w="38100">
             <a:tailEnd type="triangle"/>
@@ -4658,14 +4568,17 @@
         <p:spPr>
           <a:xfrm>
             <a:off x="8306717" y="865948"/>
-            <a:ext cx="2252488" cy="667422"/>
+            <a:ext cx="2288332" cy="4890590"/>
           </a:xfrm>
           <a:prstGeom prst="bentConnector3">
             <a:avLst>
-              <a:gd name="adj1" fmla="val 50000"/>
+              <a:gd name="adj1" fmla="val 50139"/>
             </a:avLst>
           </a:prstGeom>
           <a:ln w="38100">
+            <a:solidFill>
+              <a:schemeClr val="tx1"/>
+            </a:solidFill>
             <a:tailEnd type="triangle"/>
           </a:ln>
         </p:spPr>
@@ -4700,14 +4613,19 @@
           <p:nvPr/>
         </p:nvCxnSpPr>
         <p:spPr>
-          <a:xfrm flipV="1">
-            <a:off x="8317198" y="1533370"/>
-            <a:ext cx="2242007" cy="582258"/>
+          <a:xfrm>
+            <a:off x="8317198" y="2115628"/>
+            <a:ext cx="2277851" cy="3640910"/>
           </a:xfrm>
           <a:prstGeom prst="bentConnector3">
-            <a:avLst/>
+            <a:avLst>
+              <a:gd name="adj1" fmla="val 49668"/>
+            </a:avLst>
           </a:prstGeom>
           <a:ln w="38100">
+            <a:solidFill>
+              <a:schemeClr val="tx1"/>
+            </a:solidFill>
             <a:tailEnd type="triangle"/>
           </a:ln>
         </p:spPr>
@@ -4743,16 +4661,19 @@
           <p:nvPr/>
         </p:nvCxnSpPr>
         <p:spPr>
-          <a:xfrm flipV="1">
-            <a:off x="8325404" y="1533370"/>
-            <a:ext cx="2233801" cy="2585763"/>
+          <a:xfrm>
+            <a:off x="8325404" y="4119133"/>
+            <a:ext cx="2269645" cy="1637405"/>
           </a:xfrm>
           <a:prstGeom prst="bentConnector3">
             <a:avLst>
-              <a:gd name="adj1" fmla="val 50000"/>
+              <a:gd name="adj1" fmla="val 49580"/>
             </a:avLst>
           </a:prstGeom>
           <a:ln w="38100">
+            <a:solidFill>
+              <a:schemeClr val="tx1"/>
+            </a:solidFill>
             <a:tailEnd type="triangle"/>
           </a:ln>
         </p:spPr>
@@ -4787,16 +4708,19 @@
           <p:nvPr/>
         </p:nvCxnSpPr>
         <p:spPr>
-          <a:xfrm flipV="1">
-            <a:off x="8310030" y="1533370"/>
-            <a:ext cx="2249175" cy="3593194"/>
+          <a:xfrm>
+            <a:off x="8310030" y="5126564"/>
+            <a:ext cx="2285019" cy="629974"/>
           </a:xfrm>
           <a:prstGeom prst="bentConnector3">
             <a:avLst>
-              <a:gd name="adj1" fmla="val 50000"/>
+              <a:gd name="adj1" fmla="val 49722"/>
             </a:avLst>
           </a:prstGeom>
           <a:ln w="38100">
+            <a:solidFill>
+              <a:schemeClr val="tx1"/>
+            </a:solidFill>
             <a:tailEnd type="triangle"/>
           </a:ln>
         </p:spPr>
@@ -4825,22 +4749,25 @@
             </a:extLst>
           </p:cNvPr>
           <p:cNvCxnSpPr>
-            <a:stCxn id="14" idx="3"/>
+            <a:cxnSpLocks/>
             <a:endCxn id="7" idx="1"/>
           </p:cNvCxnSpPr>
           <p:nvPr/>
         </p:nvCxnSpPr>
         <p:spPr>
           <a:xfrm flipV="1">
-            <a:off x="8317199" y="1533369"/>
-            <a:ext cx="2242005" cy="4568941"/>
+            <a:off x="8324368" y="5756538"/>
+            <a:ext cx="2270681" cy="345774"/>
           </a:xfrm>
           <a:prstGeom prst="bentConnector3">
             <a:avLst>
-              <a:gd name="adj1" fmla="val 50000"/>
+              <a:gd name="adj1" fmla="val 49441"/>
             </a:avLst>
           </a:prstGeom>
           <a:ln w="38100">
+            <a:solidFill>
+              <a:schemeClr val="tx1"/>
+            </a:solidFill>
             <a:tailEnd type="triangle"/>
           </a:ln>
         </p:spPr>
@@ -4859,266 +4786,6 @@
           </a:fontRef>
         </p:style>
       </p:cxnSp>
-      <p:sp>
-        <p:nvSpPr>
-          <p:cNvPr id="31" name="Flowchart: Decision 80">
-            <a:extLst>
-              <a:ext uri="{FF2B5EF4-FFF2-40B4-BE49-F238E27FC236}">
-                <a16:creationId xmlns:a16="http://schemas.microsoft.com/office/drawing/2014/main" id="{A3AA17C7-AB48-DD4A-92F9-63C386B293A0}"/>
-              </a:ext>
-            </a:extLst>
-          </p:cNvPr>
-          <p:cNvSpPr/>
-          <p:nvPr/>
-        </p:nvSpPr>
-        <p:spPr>
-          <a:xfrm>
-            <a:off x="10389898" y="2900508"/>
-            <a:ext cx="1570497" cy="979007"/>
-          </a:xfrm>
-          <a:prstGeom prst="flowChartDecision">
-            <a:avLst/>
-          </a:prstGeom>
-          <a:solidFill>
-            <a:srgbClr val="DBE8FC"/>
-          </a:solidFill>
-          <a:ln w="38100">
-            <a:solidFill>
-              <a:srgbClr val="6B8EBF"/>
-            </a:solidFill>
-          </a:ln>
-        </p:spPr>
-        <p:style>
-          <a:lnRef idx="3">
-            <a:schemeClr val="lt1"/>
-          </a:lnRef>
-          <a:fillRef idx="1">
-            <a:schemeClr val="accent5"/>
-          </a:fillRef>
-          <a:effectRef idx="1">
-            <a:schemeClr val="accent5"/>
-          </a:effectRef>
-          <a:fontRef idx="minor">
-            <a:schemeClr val="lt1"/>
-          </a:fontRef>
-        </p:style>
-        <p:txBody>
-          <a:bodyPr rtlCol="0" anchor="ctr"/>
-          <a:lstStyle/>
-          <a:p>
-            <a:pPr algn="ctr"/>
-            <a:r>
-              <a:rPr lang="en-US" sz="1600" b="1" dirty="0">
-                <a:solidFill>
-                  <a:schemeClr val="tx1"/>
-                </a:solidFill>
-                <a:latin typeface="Arial" charset="0"/>
-                <a:ea typeface="Arial" charset="0"/>
-                <a:cs typeface="Arial" charset="0"/>
-              </a:rPr>
-              <a:t>End</a:t>
-            </a:r>
-          </a:p>
-        </p:txBody>
-      </p:sp>
-      <p:cxnSp>
-        <p:nvCxnSpPr>
-          <p:cNvPr id="32" name="Straight Arrow Connector 31">
-            <a:extLst>
-              <a:ext uri="{FF2B5EF4-FFF2-40B4-BE49-F238E27FC236}">
-                <a16:creationId xmlns:a16="http://schemas.microsoft.com/office/drawing/2014/main" id="{0BD32B1B-0D2E-BA4A-A161-3FBA2410C1BE}"/>
-              </a:ext>
-            </a:extLst>
-          </p:cNvPr>
-          <p:cNvCxnSpPr>
-            <a:cxnSpLocks/>
-            <a:endCxn id="9" idx="0"/>
-          </p:cNvCxnSpPr>
-          <p:nvPr/>
-        </p:nvCxnSpPr>
-        <p:spPr>
-          <a:xfrm>
-            <a:off x="1858444" y="1445661"/>
-            <a:ext cx="0" cy="674307"/>
-          </a:xfrm>
-          <a:prstGeom prst="straightConnector1">
-            <a:avLst/>
-          </a:prstGeom>
-          <a:ln w="38100">
-            <a:tailEnd type="triangle"/>
-          </a:ln>
-        </p:spPr>
-        <p:style>
-          <a:lnRef idx="3">
-            <a:schemeClr val="accent1"/>
-          </a:lnRef>
-          <a:fillRef idx="0">
-            <a:schemeClr val="accent1"/>
-          </a:fillRef>
-          <a:effectRef idx="2">
-            <a:schemeClr val="accent1"/>
-          </a:effectRef>
-          <a:fontRef idx="minor">
-            <a:schemeClr val="tx1"/>
-          </a:fontRef>
-        </p:style>
-      </p:cxnSp>
-      <p:cxnSp>
-        <p:nvCxnSpPr>
-          <p:cNvPr id="33" name="Straight Arrow Connector 32">
-            <a:extLst>
-              <a:ext uri="{FF2B5EF4-FFF2-40B4-BE49-F238E27FC236}">
-                <a16:creationId xmlns:a16="http://schemas.microsoft.com/office/drawing/2014/main" id="{8FF6A65D-C277-2542-96AF-9394A0A5865F}"/>
-              </a:ext>
-            </a:extLst>
-          </p:cNvPr>
-          <p:cNvCxnSpPr>
-            <a:stCxn id="7" idx="2"/>
-            <a:endCxn id="31" idx="0"/>
-          </p:cNvCxnSpPr>
-          <p:nvPr/>
-        </p:nvCxnSpPr>
-        <p:spPr>
-          <a:xfrm flipH="1">
-            <a:off x="11175147" y="2273319"/>
-            <a:ext cx="1" cy="627189"/>
-          </a:xfrm>
-          <a:prstGeom prst="straightConnector1">
-            <a:avLst/>
-          </a:prstGeom>
-          <a:ln w="38100">
-            <a:tailEnd type="triangle"/>
-          </a:ln>
-        </p:spPr>
-        <p:style>
-          <a:lnRef idx="3">
-            <a:schemeClr val="accent1"/>
-          </a:lnRef>
-          <a:fillRef idx="0">
-            <a:schemeClr val="accent1"/>
-          </a:fillRef>
-          <a:effectRef idx="2">
-            <a:schemeClr val="accent1"/>
-          </a:effectRef>
-          <a:fontRef idx="minor">
-            <a:schemeClr val="tx1"/>
-          </a:fontRef>
-        </p:style>
-      </p:cxnSp>
-      <p:sp>
-        <p:nvSpPr>
-          <p:cNvPr id="6" name="Rounded Rectangle 5">
-            <a:extLst>
-              <a:ext uri="{FF2B5EF4-FFF2-40B4-BE49-F238E27FC236}">
-                <a16:creationId xmlns:a16="http://schemas.microsoft.com/office/drawing/2014/main" id="{02896A01-A62A-DF47-B13E-EFD4B6B69009}"/>
-              </a:ext>
-            </a:extLst>
-          </p:cNvPr>
-          <p:cNvSpPr/>
-          <p:nvPr/>
-        </p:nvSpPr>
-        <p:spPr>
-          <a:xfrm>
-            <a:off x="9983289" y="4708866"/>
-            <a:ext cx="2073485" cy="1759052"/>
-          </a:xfrm>
-          <a:prstGeom prst="roundRect">
-            <a:avLst/>
-          </a:prstGeom>
-          <a:solidFill>
-            <a:srgbClr val="DBE8FC"/>
-          </a:solidFill>
-          <a:ln w="25400">
-            <a:solidFill>
-              <a:srgbClr val="6B8EBF"/>
-            </a:solidFill>
-          </a:ln>
-        </p:spPr>
-        <p:style>
-          <a:lnRef idx="2">
-            <a:schemeClr val="accent1">
-              <a:shade val="50000"/>
-            </a:schemeClr>
-          </a:lnRef>
-          <a:fillRef idx="1">
-            <a:schemeClr val="accent1"/>
-          </a:fillRef>
-          <a:effectRef idx="0">
-            <a:schemeClr val="accent1"/>
-          </a:effectRef>
-          <a:fontRef idx="minor">
-            <a:schemeClr val="lt1"/>
-          </a:fontRef>
-        </p:style>
-        <p:txBody>
-          <a:bodyPr rtlCol="0" anchor="ctr"/>
-          <a:lstStyle/>
-          <a:p>
-            <a:pPr algn="ctr"/>
-            <a:r>
-              <a:rPr lang="en-US" sz="1600" b="1" dirty="0">
-                <a:solidFill>
-                  <a:schemeClr val="tx1"/>
-                </a:solidFill>
-                <a:latin typeface="Arial" charset="0"/>
-                <a:ea typeface="Arial" charset="0"/>
-                <a:cs typeface="Arial" charset="0"/>
-              </a:rPr>
-              <a:t>Python Modules</a:t>
-            </a:r>
-          </a:p>
-          <a:p>
-            <a:pPr algn="ctr"/>
-            <a:r>
-              <a:rPr lang="en-US" sz="1600" dirty="0">
-                <a:solidFill>
-                  <a:schemeClr val="tx1"/>
-                </a:solidFill>
-                <a:latin typeface="Arial" charset="0"/>
-                <a:ea typeface="Arial" charset="0"/>
-                <a:cs typeface="Arial" charset="0"/>
-              </a:rPr>
-              <a:t>Django</a:t>
-            </a:r>
-          </a:p>
-          <a:p>
-            <a:pPr algn="ctr"/>
-            <a:r>
-              <a:rPr lang="en-US" sz="1600" dirty="0">
-                <a:solidFill>
-                  <a:schemeClr val="tx1"/>
-                </a:solidFill>
-                <a:latin typeface="Arial" charset="0"/>
-                <a:ea typeface="Arial" charset="0"/>
-                <a:cs typeface="Arial" charset="0"/>
-              </a:rPr>
-              <a:t>cyVCF2</a:t>
-            </a:r>
-          </a:p>
-          <a:p>
-            <a:pPr algn="ctr"/>
-            <a:r>
-              <a:rPr lang="en-US" sz="1600" dirty="0" err="1">
-                <a:solidFill>
-                  <a:schemeClr val="tx1"/>
-                </a:solidFill>
-                <a:latin typeface="Arial" charset="0"/>
-                <a:ea typeface="Arial" charset="0"/>
-                <a:cs typeface="Arial" charset="0"/>
-              </a:rPr>
-              <a:t>BioPython</a:t>
-            </a:r>
-            <a:endParaRPr lang="en-US" sz="1600" dirty="0">
-              <a:solidFill>
-                <a:schemeClr val="tx1"/>
-              </a:solidFill>
-              <a:latin typeface="Arial" charset="0"/>
-              <a:ea typeface="Arial" charset="0"/>
-              <a:cs typeface="Arial" charset="0"/>
-            </a:endParaRPr>
-          </a:p>
-        </p:txBody>
-      </p:sp>
       <p:pic>
         <p:nvPicPr>
           <p:cNvPr id="7" name="Picture 6">
@@ -5147,7 +4814,7 @@
         </p:blipFill>
         <p:spPr>
           <a:xfrm>
-            <a:off x="10559205" y="793419"/>
+            <a:off x="10595049" y="5016587"/>
             <a:ext cx="1231883" cy="1479901"/>
           </a:xfrm>
           <a:prstGeom prst="rect">
@@ -5258,17 +4925,18 @@
           <p:cNvCxnSpPr>
             <a:cxnSpLocks/>
             <a:stCxn id="10" idx="3"/>
+            <a:endCxn id="12" idx="1"/>
           </p:cNvCxnSpPr>
           <p:nvPr/>
         </p:nvCxnSpPr>
         <p:spPr>
-          <a:xfrm flipV="1">
-            <a:off x="3598540" y="3983308"/>
-            <a:ext cx="1899867" cy="170535"/>
+          <a:xfrm>
+            <a:off x="3595136" y="2262066"/>
+            <a:ext cx="1911477" cy="1857067"/>
           </a:xfrm>
           <a:prstGeom prst="bentConnector3">
             <a:avLst>
-              <a:gd name="adj1" fmla="val 50000"/>
+              <a:gd name="adj1" fmla="val 49170"/>
             </a:avLst>
           </a:prstGeom>
           <a:ln w="38100">
@@ -5283,6 +4951,54 @@
             <a:schemeClr val="accent1"/>
           </a:fillRef>
           <a:effectRef idx="2">
+            <a:schemeClr val="accent1"/>
+          </a:effectRef>
+          <a:fontRef idx="minor">
+            <a:schemeClr val="tx1"/>
+          </a:fontRef>
+        </p:style>
+      </p:cxnSp>
+      <p:cxnSp>
+        <p:nvCxnSpPr>
+          <p:cNvPr id="46" name="Elbow Connector 45">
+            <a:extLst>
+              <a:ext uri="{FF2B5EF4-FFF2-40B4-BE49-F238E27FC236}">
+                <a16:creationId xmlns:a16="http://schemas.microsoft.com/office/drawing/2014/main" id="{D0A85BFA-9B6C-F649-9932-6BB803C8110E}"/>
+              </a:ext>
+            </a:extLst>
+          </p:cNvPr>
+          <p:cNvCxnSpPr>
+            <a:cxnSpLocks/>
+            <a:stCxn id="73" idx="3"/>
+            <a:endCxn id="7" idx="1"/>
+          </p:cNvCxnSpPr>
+          <p:nvPr/>
+        </p:nvCxnSpPr>
+        <p:spPr>
+          <a:xfrm>
+            <a:off x="8295692" y="3109957"/>
+            <a:ext cx="2299357" cy="2646581"/>
+          </a:xfrm>
+          <a:prstGeom prst="bentConnector3">
+            <a:avLst>
+              <a:gd name="adj1" fmla="val 50276"/>
+            </a:avLst>
+          </a:prstGeom>
+          <a:ln w="38100">
+            <a:solidFill>
+              <a:schemeClr val="tx1"/>
+            </a:solidFill>
+            <a:tailEnd type="triangle"/>
+          </a:ln>
+        </p:spPr>
+        <p:style>
+          <a:lnRef idx="1">
+            <a:schemeClr val="accent1"/>
+          </a:lnRef>
+          <a:fillRef idx="0">
+            <a:schemeClr val="accent1"/>
+          </a:fillRef>
+          <a:effectRef idx="0">
             <a:schemeClr val="accent1"/>
           </a:effectRef>
           <a:fontRef idx="minor">
